--- a/Sprints/Sprint_005 da equipe.pptx
+++ b/Sprints/Sprint_005 da equipe.pptx
@@ -3705,7 +3705,19 @@
             </a:r>
             <a:r>
               <a:rPr lang="pt-BR" dirty="0"/>
-              <a:t>: Terminar a codificação das classes.</a:t>
+              <a:t>: </a:t>
+            </a:r>
+            <a:r>
+              <a:rPr lang="pt-BR" dirty="0"/>
+              <a:t>C</a:t>
+            </a:r>
+            <a:r>
+              <a:rPr lang="pt-BR" dirty="0" smtClean="0"/>
+              <a:t>odificação </a:t>
+            </a:r>
+            <a:r>
+              <a:rPr lang="pt-BR" dirty="0"/>
+              <a:t>das classes.</a:t>
             </a:r>
           </a:p>
           <a:p>
@@ -3715,7 +3727,19 @@
             </a:r>
             <a:r>
               <a:rPr lang="pt-BR" dirty="0"/>
-              <a:t>: Terminar a implementação/codificação da superclasse principal do projeto.</a:t>
+              <a:t>: </a:t>
+            </a:r>
+            <a:r>
+              <a:rPr lang="pt-BR" dirty="0" smtClean="0"/>
+              <a:t>A i</a:t>
+            </a:r>
+            <a:r>
+              <a:rPr lang="pt-BR" dirty="0" smtClean="0"/>
+              <a:t>mplementação/codificação </a:t>
+            </a:r>
+            <a:r>
+              <a:rPr lang="pt-BR" dirty="0"/>
+              <a:t>da superclasse principal do projeto.</a:t>
             </a:r>
           </a:p>
           <a:p>
@@ -3725,8 +3749,13 @@
             </a:r>
             <a:r>
               <a:rPr lang="pt-BR" dirty="0"/>
-              <a:t>: [Em andamento].</a:t>
-            </a:r>
+              <a:t>: </a:t>
+            </a:r>
+            <a:r>
+              <a:rPr lang="pt-BR" dirty="0" smtClean="0"/>
+              <a:t>[Concluído].</a:t>
+            </a:r>
+            <a:endParaRPr lang="pt-BR" dirty="0"/>
           </a:p>
         </p:txBody>
       </p:sp>
@@ -3834,9 +3863,14 @@
               <a:t>Status</a:t>
             </a:r>
             <a:r>
-              <a:rPr lang="pt-BR" dirty="0"/>
-              <a:t>: [Não iniciado].</a:t>
-            </a:r>
+              <a:rPr lang="pt-BR"/>
+              <a:t>: </a:t>
+            </a:r>
+            <a:r>
+              <a:rPr lang="pt-BR" smtClean="0"/>
+              <a:t>[Em andamento].</a:t>
+            </a:r>
+            <a:endParaRPr lang="pt-BR" dirty="0"/>
           </a:p>
         </p:txBody>
       </p:sp>

--- a/Sprints/Sprint_005 da equipe.pptx
+++ b/Sprints/Sprint_005 da equipe.pptx
@@ -10,6 +10,7 @@
     <p:sldId id="285" r:id="rId4"/>
     <p:sldId id="284" r:id="rId5"/>
     <p:sldId id="261" r:id="rId6"/>
+    <p:sldId id="286" r:id="rId7"/>
   </p:sldIdLst>
   <p:sldSz cx="12192000" cy="6858000"/>
   <p:notesSz cx="6858000" cy="9144000"/>
@@ -3655,7 +3656,7 @@
           <p:cNvPr id="2" name="Título 1">
             <a:extLst>
               <a:ext uri="{FF2B5EF4-FFF2-40B4-BE49-F238E27FC236}">
-                <a16:creationId xmlns:a16="http://schemas.microsoft.com/office/drawing/2014/main" xmlns="" id="{3955ABDF-B885-EB4D-A036-E088DD1787E3}"/>
+                <a16:creationId xmlns="" xmlns:a16="http://schemas.microsoft.com/office/drawing/2014/main" id="{3955ABDF-B885-EB4D-A036-E088DD1787E3}"/>
               </a:ext>
             </a:extLst>
           </p:cNvPr>
@@ -3683,7 +3684,7 @@
           <p:cNvPr id="3" name="Espaço Reservado para Conteúdo 2">
             <a:extLst>
               <a:ext uri="{FF2B5EF4-FFF2-40B4-BE49-F238E27FC236}">
-                <a16:creationId xmlns:a16="http://schemas.microsoft.com/office/drawing/2014/main" xmlns="" id="{784B08D6-3AD7-4B47-A8C0-6F77058163DA}"/>
+                <a16:creationId xmlns="" xmlns:a16="http://schemas.microsoft.com/office/drawing/2014/main" id="{784B08D6-3AD7-4B47-A8C0-6F77058163DA}"/>
               </a:ext>
             </a:extLst>
           </p:cNvPr>
@@ -3705,11 +3706,7 @@
             </a:r>
             <a:r>
               <a:rPr lang="pt-BR" dirty="0"/>
-              <a:t>: </a:t>
-            </a:r>
-            <a:r>
-              <a:rPr lang="pt-BR" dirty="0"/>
-              <a:t>C</a:t>
+              <a:t>: C</a:t>
             </a:r>
             <a:r>
               <a:rPr lang="pt-BR" dirty="0" smtClean="0"/>
@@ -3731,11 +3728,7 @@
             </a:r>
             <a:r>
               <a:rPr lang="pt-BR" dirty="0" smtClean="0"/>
-              <a:t>A i</a:t>
-            </a:r>
-            <a:r>
-              <a:rPr lang="pt-BR" dirty="0" smtClean="0"/>
-              <a:t>mplementação/codificação </a:t>
+              <a:t>A implementação/codificação </a:t>
             </a:r>
             <a:r>
               <a:rPr lang="pt-BR" dirty="0"/>
@@ -3794,7 +3787,7 @@
           <p:cNvPr id="2" name="Título 1">
             <a:extLst>
               <a:ext uri="{FF2B5EF4-FFF2-40B4-BE49-F238E27FC236}">
-                <a16:creationId xmlns:a16="http://schemas.microsoft.com/office/drawing/2014/main" xmlns="" id="{3955ABDF-B885-EB4D-A036-E088DD1787E3}"/>
+                <a16:creationId xmlns="" xmlns:a16="http://schemas.microsoft.com/office/drawing/2014/main" id="{3955ABDF-B885-EB4D-A036-E088DD1787E3}"/>
               </a:ext>
             </a:extLst>
           </p:cNvPr>
@@ -3822,7 +3815,7 @@
           <p:cNvPr id="3" name="Espaço Reservado para Conteúdo 2">
             <a:extLst>
               <a:ext uri="{FF2B5EF4-FFF2-40B4-BE49-F238E27FC236}">
-                <a16:creationId xmlns:a16="http://schemas.microsoft.com/office/drawing/2014/main" xmlns="" id="{784B08D6-3AD7-4B47-A8C0-6F77058163DA}"/>
+                <a16:creationId xmlns="" xmlns:a16="http://schemas.microsoft.com/office/drawing/2014/main" id="{784B08D6-3AD7-4B47-A8C0-6F77058163DA}"/>
               </a:ext>
             </a:extLst>
           </p:cNvPr>
@@ -3967,6 +3960,130 @@
       </p:transition>
     </mc:Fallback>
   </mc:AlternateContent>
+</p:sld>
+</file>
+
+<file path=ppt/slides/slide6.xml><?xml version="1.0" encoding="utf-8"?>
+<p:sld xmlns:a="http://schemas.openxmlformats.org/drawingml/2006/main" xmlns:r="http://schemas.openxmlformats.org/officeDocument/2006/relationships" xmlns:p="http://schemas.openxmlformats.org/presentationml/2006/main">
+  <p:cSld>
+    <p:spTree>
+      <p:nvGrpSpPr>
+        <p:cNvPr id="1" name=""/>
+        <p:cNvGrpSpPr/>
+        <p:nvPr/>
+      </p:nvGrpSpPr>
+      <p:grpSpPr>
+        <a:xfrm>
+          <a:off x="0" y="0"/>
+          <a:ext cx="0" cy="0"/>
+          <a:chOff x="0" y="0"/>
+          <a:chExt cx="0" cy="0"/>
+        </a:xfrm>
+      </p:grpSpPr>
+      <p:sp>
+        <p:nvSpPr>
+          <p:cNvPr id="3" name="Espaço Reservado para Texto 2"/>
+          <p:cNvSpPr>
+            <a:spLocks noGrp="1"/>
+          </p:cNvSpPr>
+          <p:nvPr>
+            <p:ph type="body" idx="1"/>
+          </p:nvPr>
+        </p:nvSpPr>
+        <p:spPr>
+          <a:xfrm>
+            <a:off x="3886200" y="2574758"/>
+            <a:ext cx="7315200" cy="3012226"/>
+          </a:xfrm>
+        </p:spPr>
+        <p:txBody>
+          <a:bodyPr/>
+          <a:lstStyle/>
+          <a:p>
+            <a:r>
+              <a:rPr lang="pt-BR" b="1" dirty="0"/>
+              <a:t>1ª Estória</a:t>
+            </a:r>
+            <a:r>
+              <a:rPr lang="pt-BR" dirty="0"/>
+              <a:t>: </a:t>
+            </a:r>
+            <a:r>
+              <a:rPr lang="pt-BR" dirty="0" smtClean="0"/>
+              <a:t>Terminar a codificação do meu principal.</a:t>
+            </a:r>
+            <a:endParaRPr lang="pt-BR" dirty="0"/>
+          </a:p>
+          <a:p>
+            <a:r>
+              <a:rPr lang="pt-BR" b="1" dirty="0"/>
+              <a:t>Descrição</a:t>
+            </a:r>
+            <a:r>
+              <a:rPr lang="pt-BR" dirty="0"/>
+              <a:t>: </a:t>
+            </a:r>
+            <a:endParaRPr lang="pt-BR" dirty="0" smtClean="0"/>
+          </a:p>
+          <a:p>
+            <a:r>
+              <a:rPr lang="pt-BR" b="1" smtClean="0"/>
+              <a:t>Status</a:t>
+            </a:r>
+            <a:r>
+              <a:rPr lang="pt-BR" smtClean="0"/>
+              <a:t>:</a:t>
+            </a:r>
+            <a:endParaRPr lang="pt-BR" dirty="0"/>
+          </a:p>
+        </p:txBody>
+      </p:sp>
+      <p:sp>
+        <p:nvSpPr>
+          <p:cNvPr id="4" name="CaixaDeTexto 3"/>
+          <p:cNvSpPr txBox="1"/>
+          <p:nvPr/>
+        </p:nvSpPr>
+        <p:spPr>
+          <a:xfrm>
+            <a:off x="288758" y="2887579"/>
+            <a:ext cx="2646947" cy="646331"/>
+          </a:xfrm>
+          <a:prstGeom prst="rect">
+            <a:avLst/>
+          </a:prstGeom>
+          <a:noFill/>
+        </p:spPr>
+        <p:txBody>
+          <a:bodyPr wrap="square" rtlCol="0">
+            <a:spAutoFit/>
+          </a:bodyPr>
+          <a:lstStyle/>
+          <a:p>
+            <a:r>
+              <a:rPr lang="pt-BR" sz="3600" spc="-60" dirty="0">
+                <a:solidFill>
+                  <a:srgbClr val="FFFFFF"/>
+                </a:solidFill>
+                <a:ea typeface="+mj-ea"/>
+                <a:cs typeface="+mj-cs"/>
+              </a:rPr>
+              <a:t>1ª Estória </a:t>
+            </a:r>
+            <a:endParaRPr lang="pt-BR" dirty="0"/>
+          </a:p>
+        </p:txBody>
+      </p:sp>
+    </p:spTree>
+    <p:extLst>
+      <p:ext uri="{BB962C8B-B14F-4D97-AF65-F5344CB8AC3E}">
+        <p14:creationId xmlns:p14="http://schemas.microsoft.com/office/powerpoint/2010/main" val="548527126"/>
+      </p:ext>
+    </p:extLst>
+  </p:cSld>
+  <p:clrMapOvr>
+    <a:masterClrMapping/>
+  </p:clrMapOvr>
 </p:sld>
 </file>
 

--- a/Sprints/Sprint_005 da equipe.pptx
+++ b/Sprints/Sprint_005 da equipe.pptx
@@ -3656,7 +3656,7 @@
           <p:cNvPr id="2" name="Título 1">
             <a:extLst>
               <a:ext uri="{FF2B5EF4-FFF2-40B4-BE49-F238E27FC236}">
-                <a16:creationId xmlns="" xmlns:a16="http://schemas.microsoft.com/office/drawing/2014/main" id="{3955ABDF-B885-EB4D-A036-E088DD1787E3}"/>
+                <a16:creationId xmlns:a16="http://schemas.microsoft.com/office/drawing/2014/main" xmlns="" id="{3955ABDF-B885-EB4D-A036-E088DD1787E3}"/>
               </a:ext>
             </a:extLst>
           </p:cNvPr>
@@ -3684,7 +3684,7 @@
           <p:cNvPr id="3" name="Espaço Reservado para Conteúdo 2">
             <a:extLst>
               <a:ext uri="{FF2B5EF4-FFF2-40B4-BE49-F238E27FC236}">
-                <a16:creationId xmlns="" xmlns:a16="http://schemas.microsoft.com/office/drawing/2014/main" id="{784B08D6-3AD7-4B47-A8C0-6F77058163DA}"/>
+                <a16:creationId xmlns:a16="http://schemas.microsoft.com/office/drawing/2014/main" xmlns="" id="{784B08D6-3AD7-4B47-A8C0-6F77058163DA}"/>
               </a:ext>
             </a:extLst>
           </p:cNvPr>
@@ -3787,7 +3787,7 @@
           <p:cNvPr id="2" name="Título 1">
             <a:extLst>
               <a:ext uri="{FF2B5EF4-FFF2-40B4-BE49-F238E27FC236}">
-                <a16:creationId xmlns="" xmlns:a16="http://schemas.microsoft.com/office/drawing/2014/main" id="{3955ABDF-B885-EB4D-A036-E088DD1787E3}"/>
+                <a16:creationId xmlns:a16="http://schemas.microsoft.com/office/drawing/2014/main" xmlns="" id="{3955ABDF-B885-EB4D-A036-E088DD1787E3}"/>
               </a:ext>
             </a:extLst>
           </p:cNvPr>
@@ -3815,7 +3815,7 @@
           <p:cNvPr id="3" name="Espaço Reservado para Conteúdo 2">
             <a:extLst>
               <a:ext uri="{FF2B5EF4-FFF2-40B4-BE49-F238E27FC236}">
-                <a16:creationId xmlns="" xmlns:a16="http://schemas.microsoft.com/office/drawing/2014/main" id="{784B08D6-3AD7-4B47-A8C0-6F77058163DA}"/>
+                <a16:creationId xmlns:a16="http://schemas.microsoft.com/office/drawing/2014/main" xmlns="" id="{784B08D6-3AD7-4B47-A8C0-6F77058163DA}"/>
               </a:ext>
             </a:extLst>
           </p:cNvPr>
@@ -3856,11 +3856,11 @@
               <a:t>Status</a:t>
             </a:r>
             <a:r>
-              <a:rPr lang="pt-BR"/>
+              <a:rPr lang="pt-BR" dirty="0"/>
               <a:t>: </a:t>
             </a:r>
             <a:r>
-              <a:rPr lang="pt-BR" smtClean="0"/>
+              <a:rPr lang="pt-BR" dirty="0" smtClean="0"/>
               <a:t>[Em andamento].</a:t>
             </a:r>
             <a:endParaRPr lang="pt-BR" dirty="0"/>
@@ -4023,17 +4023,31 @@
               <a:rPr lang="pt-BR" dirty="0"/>
               <a:t>: </a:t>
             </a:r>
+            <a:r>
+              <a:rPr lang="pt-BR" dirty="0" smtClean="0"/>
+              <a:t>Testar as funcionalidades</a:t>
+            </a:r>
+            <a:r>
+              <a:rPr lang="pt-BR" dirty="0" smtClean="0"/>
+              <a:t> </a:t>
+            </a:r>
+            <a:r>
+              <a:rPr lang="pt-BR" smtClean="0"/>
+              <a:t>dos botões. </a:t>
+            </a:r>
             <a:endParaRPr lang="pt-BR" dirty="0" smtClean="0"/>
           </a:p>
           <a:p>
             <a:r>
-              <a:rPr lang="pt-BR" b="1" smtClean="0"/>
+              <a:rPr lang="pt-BR" b="1" dirty="0" smtClean="0"/>
               <a:t>Status</a:t>
             </a:r>
             <a:r>
-              <a:rPr lang="pt-BR" smtClean="0"/>
-              <a:t>:</a:t>
-            </a:r>
+              <a:rPr lang="pt-BR" dirty="0"/>
+              <a:t>: [Em andamento].</a:t>
+            </a:r>
+          </a:p>
+          <a:p>
             <a:endParaRPr lang="pt-BR" dirty="0"/>
           </a:p>
         </p:txBody>

--- a/Sprints/Sprint_005 da equipe.pptx
+++ b/Sprints/Sprint_005 da equipe.pptx
@@ -11,6 +11,7 @@
     <p:sldId id="284" r:id="rId5"/>
     <p:sldId id="261" r:id="rId6"/>
     <p:sldId id="286" r:id="rId7"/>
+    <p:sldId id="287" r:id="rId8"/>
   </p:sldIdLst>
   <p:sldSz cx="12192000" cy="6858000"/>
   <p:notesSz cx="6858000" cy="9144000"/>
@@ -3656,7 +3657,7 @@
           <p:cNvPr id="2" name="Título 1">
             <a:extLst>
               <a:ext uri="{FF2B5EF4-FFF2-40B4-BE49-F238E27FC236}">
-                <a16:creationId xmlns:a16="http://schemas.microsoft.com/office/drawing/2014/main" xmlns="" id="{3955ABDF-B885-EB4D-A036-E088DD1787E3}"/>
+                <a16:creationId xmlns:a16="http://schemas.microsoft.com/office/drawing/2014/main" id="{3955ABDF-B885-EB4D-A036-E088DD1787E3}"/>
               </a:ext>
             </a:extLst>
           </p:cNvPr>
@@ -3684,7 +3685,7 @@
           <p:cNvPr id="3" name="Espaço Reservado para Conteúdo 2">
             <a:extLst>
               <a:ext uri="{FF2B5EF4-FFF2-40B4-BE49-F238E27FC236}">
-                <a16:creationId xmlns:a16="http://schemas.microsoft.com/office/drawing/2014/main" xmlns="" id="{784B08D6-3AD7-4B47-A8C0-6F77058163DA}"/>
+                <a16:creationId xmlns:a16="http://schemas.microsoft.com/office/drawing/2014/main" id="{784B08D6-3AD7-4B47-A8C0-6F77058163DA}"/>
               </a:ext>
             </a:extLst>
           </p:cNvPr>
@@ -3787,7 +3788,7 @@
           <p:cNvPr id="2" name="Título 1">
             <a:extLst>
               <a:ext uri="{FF2B5EF4-FFF2-40B4-BE49-F238E27FC236}">
-                <a16:creationId xmlns:a16="http://schemas.microsoft.com/office/drawing/2014/main" xmlns="" id="{3955ABDF-B885-EB4D-A036-E088DD1787E3}"/>
+                <a16:creationId xmlns:a16="http://schemas.microsoft.com/office/drawing/2014/main" id="{3955ABDF-B885-EB4D-A036-E088DD1787E3}"/>
               </a:ext>
             </a:extLst>
           </p:cNvPr>
@@ -3815,7 +3816,7 @@
           <p:cNvPr id="3" name="Espaço Reservado para Conteúdo 2">
             <a:extLst>
               <a:ext uri="{FF2B5EF4-FFF2-40B4-BE49-F238E27FC236}">
-                <a16:creationId xmlns:a16="http://schemas.microsoft.com/office/drawing/2014/main" xmlns="" id="{784B08D6-3AD7-4B47-A8C0-6F77058163DA}"/>
+                <a16:creationId xmlns:a16="http://schemas.microsoft.com/office/drawing/2014/main" id="{784B08D6-3AD7-4B47-A8C0-6F77058163DA}"/>
               </a:ext>
             </a:extLst>
           </p:cNvPr>
@@ -4010,7 +4011,7 @@
             </a:r>
             <a:r>
               <a:rPr lang="pt-BR" dirty="0" smtClean="0"/>
-              <a:t>Terminar a codificação do meu principal.</a:t>
+              <a:t>Implementar as funcionalidades das demais telas.</a:t>
             </a:r>
             <a:endParaRPr lang="pt-BR" dirty="0"/>
           </a:p>
@@ -4025,15 +4026,7 @@
             </a:r>
             <a:r>
               <a:rPr lang="pt-BR" dirty="0" smtClean="0"/>
-              <a:t>Testar as funcionalidades</a:t>
-            </a:r>
-            <a:r>
-              <a:rPr lang="pt-BR" dirty="0" smtClean="0"/>
-              <a:t> </a:t>
-            </a:r>
-            <a:r>
-              <a:rPr lang="pt-BR" smtClean="0"/>
-              <a:t>dos botões. </a:t>
+              <a:t>Fazer as telas executarem o que elas foram designadas para fazer. </a:t>
             </a:r>
             <a:endParaRPr lang="pt-BR" dirty="0" smtClean="0"/>
           </a:p>
@@ -4092,6 +4085,178 @@
     <p:extLst>
       <p:ext uri="{BB962C8B-B14F-4D97-AF65-F5344CB8AC3E}">
         <p14:creationId xmlns:p14="http://schemas.microsoft.com/office/powerpoint/2010/main" val="548527126"/>
+      </p:ext>
+    </p:extLst>
+  </p:cSld>
+  <p:clrMapOvr>
+    <a:masterClrMapping/>
+  </p:clrMapOvr>
+</p:sld>
+</file>
+
+<file path=ppt/slides/slide7.xml><?xml version="1.0" encoding="utf-8"?>
+<p:sld xmlns:a="http://schemas.openxmlformats.org/drawingml/2006/main" xmlns:r="http://schemas.openxmlformats.org/officeDocument/2006/relationships" xmlns:p="http://schemas.openxmlformats.org/presentationml/2006/main">
+  <p:cSld>
+    <p:spTree>
+      <p:nvGrpSpPr>
+        <p:cNvPr id="1" name=""/>
+        <p:cNvGrpSpPr/>
+        <p:nvPr/>
+      </p:nvGrpSpPr>
+      <p:grpSpPr>
+        <a:xfrm>
+          <a:off x="0" y="0"/>
+          <a:ext cx="0" cy="0"/>
+          <a:chOff x="0" y="0"/>
+          <a:chExt cx="0" cy="0"/>
+        </a:xfrm>
+      </p:grpSpPr>
+      <p:sp>
+        <p:nvSpPr>
+          <p:cNvPr id="3" name="Espaço Reservado para Texto 2"/>
+          <p:cNvSpPr>
+            <a:spLocks noGrp="1"/>
+          </p:cNvSpPr>
+          <p:nvPr>
+            <p:ph type="body" idx="1"/>
+          </p:nvPr>
+        </p:nvSpPr>
+        <p:spPr>
+          <a:xfrm>
+            <a:off x="3886200" y="1619794"/>
+            <a:ext cx="7315200" cy="4123944"/>
+          </a:xfrm>
+        </p:spPr>
+        <p:txBody>
+          <a:bodyPr/>
+          <a:lstStyle/>
+          <a:p>
+            <a:endParaRPr lang="pt-BR" b="1" dirty="0" smtClean="0"/>
+          </a:p>
+          <a:p>
+            <a:endParaRPr lang="pt-BR" b="1" dirty="0" smtClean="0"/>
+          </a:p>
+          <a:p>
+            <a:r>
+              <a:rPr lang="pt-BR" b="1" dirty="0" smtClean="0"/>
+              <a:t>1ª </a:t>
+            </a:r>
+            <a:r>
+              <a:rPr lang="pt-BR" b="1" dirty="0"/>
+              <a:t>Estória</a:t>
+            </a:r>
+            <a:r>
+              <a:rPr lang="pt-BR" dirty="0"/>
+              <a:t>: Implementar </a:t>
+            </a:r>
+            <a:r>
+              <a:rPr lang="pt-BR" dirty="0" smtClean="0"/>
+              <a:t>as </a:t>
+            </a:r>
+            <a:r>
+              <a:rPr lang="pt-BR" dirty="0"/>
+              <a:t>demais </a:t>
+            </a:r>
+            <a:r>
+              <a:rPr lang="pt-BR" dirty="0" smtClean="0"/>
+              <a:t>classes.</a:t>
+            </a:r>
+            <a:endParaRPr lang="pt-BR" dirty="0"/>
+          </a:p>
+          <a:p>
+            <a:r>
+              <a:rPr lang="pt-BR" b="1" dirty="0"/>
+              <a:t>Descrição</a:t>
+            </a:r>
+            <a:r>
+              <a:rPr lang="pt-BR" dirty="0"/>
+              <a:t>: </a:t>
+            </a:r>
+            <a:r>
+              <a:rPr lang="pt-BR" dirty="0" smtClean="0"/>
+              <a:t>Terminar de implementar o código </a:t>
+            </a:r>
+            <a:r>
+              <a:rPr lang="pt-BR" smtClean="0"/>
+              <a:t>das classes. </a:t>
+            </a:r>
+            <a:endParaRPr lang="pt-BR" dirty="0"/>
+          </a:p>
+          <a:p>
+            <a:r>
+              <a:rPr lang="pt-BR" b="1" dirty="0"/>
+              <a:t>Status</a:t>
+            </a:r>
+            <a:r>
+              <a:rPr lang="pt-BR" dirty="0"/>
+              <a:t>: [Em andamento].</a:t>
+            </a:r>
+          </a:p>
+          <a:p>
+            <a:endParaRPr lang="en-US" dirty="0"/>
+          </a:p>
+        </p:txBody>
+      </p:sp>
+      <p:sp>
+        <p:nvSpPr>
+          <p:cNvPr id="4" name="CaixaDeTexto 3"/>
+          <p:cNvSpPr txBox="1"/>
+          <p:nvPr/>
+        </p:nvSpPr>
+        <p:spPr>
+          <a:xfrm>
+            <a:off x="288758" y="2887579"/>
+            <a:ext cx="2646947" cy="646331"/>
+          </a:xfrm>
+          <a:prstGeom prst="rect">
+            <a:avLst/>
+          </a:prstGeom>
+          <a:noFill/>
+        </p:spPr>
+        <p:txBody>
+          <a:bodyPr wrap="square" rtlCol="0">
+            <a:spAutoFit/>
+          </a:bodyPr>
+          <a:lstStyle/>
+          <a:p>
+            <a:r>
+              <a:rPr lang="pt-BR" sz="3600" spc="-60" dirty="0">
+                <a:solidFill>
+                  <a:srgbClr val="FFFFFF"/>
+                </a:solidFill>
+                <a:ea typeface="+mj-ea"/>
+                <a:cs typeface="+mj-cs"/>
+              </a:rPr>
+              <a:t>2</a:t>
+            </a:r>
+            <a:r>
+              <a:rPr lang="pt-BR" sz="3600" spc="-60" dirty="0" smtClean="0">
+                <a:solidFill>
+                  <a:srgbClr val="FFFFFF"/>
+                </a:solidFill>
+                <a:ea typeface="+mj-ea"/>
+                <a:cs typeface="+mj-cs"/>
+              </a:rPr>
+              <a:t>ª </a:t>
+            </a:r>
+            <a:r>
+              <a:rPr lang="pt-BR" sz="3600" spc="-60" dirty="0">
+                <a:solidFill>
+                  <a:srgbClr val="FFFFFF"/>
+                </a:solidFill>
+                <a:ea typeface="+mj-ea"/>
+                <a:cs typeface="+mj-cs"/>
+              </a:rPr>
+              <a:t>Estória </a:t>
+            </a:r>
+            <a:endParaRPr lang="pt-BR" dirty="0"/>
+          </a:p>
+        </p:txBody>
+      </p:sp>
+    </p:spTree>
+    <p:extLst>
+      <p:ext uri="{BB962C8B-B14F-4D97-AF65-F5344CB8AC3E}">
+        <p14:creationId xmlns:p14="http://schemas.microsoft.com/office/powerpoint/2010/main" val="3551652316"/>
       </p:ext>
     </p:extLst>
   </p:cSld>

--- a/Sprints/Sprint_005 da equipe.pptx
+++ b/Sprints/Sprint_005 da equipe.pptx
@@ -4028,7 +4028,6 @@
               <a:rPr lang="pt-BR" dirty="0" smtClean="0"/>
               <a:t>Fazer as telas executarem o que elas foram designadas para fazer. </a:t>
             </a:r>
-            <a:endParaRPr lang="pt-BR" dirty="0" smtClean="0"/>
           </a:p>
           <a:p>
             <a:r>
@@ -4138,8 +4137,12 @@
           </a:p>
           <a:p>
             <a:r>
-              <a:rPr lang="pt-BR" b="1" dirty="0" smtClean="0"/>
-              <a:t>1ª </a:t>
+              <a:rPr lang="pt-BR" b="1" smtClean="0"/>
+              <a:t>2</a:t>
+            </a:r>
+            <a:r>
+              <a:rPr lang="pt-BR" b="1" smtClean="0"/>
+              <a:t>ª </a:t>
             </a:r>
             <a:r>
               <a:rPr lang="pt-BR" b="1" dirty="0"/>
@@ -4174,11 +4177,7 @@
             </a:r>
             <a:r>
               <a:rPr lang="pt-BR" dirty="0" smtClean="0"/>
-              <a:t>Terminar de implementar o código </a:t>
-            </a:r>
-            <a:r>
-              <a:rPr lang="pt-BR" smtClean="0"/>
-              <a:t>das classes. </a:t>
+              <a:t>Terminar de implementar o código das classes. </a:t>
             </a:r>
             <a:endParaRPr lang="pt-BR" dirty="0"/>
           </a:p>
